--- a/Syllabus/솔찬 프로젝트.pptx
+++ b/Syllabus/솔찬 프로젝트.pptx
@@ -14283,211 +14283,6 @@
           <a:chExt cx="0" cy="0"/>
         </a:xfrm>
       </p:grpSpPr>
-      <p:sp>
-        <p:nvSpPr>
-          <p:cNvPr id="10" name="직사각형 9"/>
-          <p:cNvSpPr/>
-          <p:nvPr/>
-        </p:nvSpPr>
-        <p:spPr>
-          <a:xfrm>
-            <a:off x="0" y="0"/>
-            <a:ext cx="128464" cy="6858000"/>
-          </a:xfrm>
-          <a:prstGeom prst="rect">
-            <a:avLst/>
-          </a:prstGeom>
-          <a:solidFill>
-            <a:schemeClr val="bg1"/>
-          </a:solidFill>
-          <a:ln>
-            <a:noFill/>
-          </a:ln>
-          <a:effectLst>
-            <a:innerShdw blurRad="63500" dist="50800">
-              <a:prstClr val="black">
-                <a:alpha val="13000"/>
-              </a:prstClr>
-            </a:innerShdw>
-          </a:effectLst>
-        </p:spPr>
-        <p:style>
-          <a:lnRef idx="2">
-            <a:schemeClr val="accent1">
-              <a:shade val="50000"/>
-            </a:schemeClr>
-          </a:lnRef>
-          <a:fillRef idx="1">
-            <a:schemeClr val="accent1"/>
-          </a:fillRef>
-          <a:effectRef idx="0">
-            <a:schemeClr val="accent1"/>
-          </a:effectRef>
-          <a:fontRef idx="minor">
-            <a:schemeClr val="lt1"/>
-          </a:fontRef>
-        </p:style>
-        <p:txBody>
-          <a:bodyPr rtlCol="0" anchor="ctr"/>
-          <a:lstStyle/>
-          <a:p>
-            <a:pPr algn="ctr"/>
-            <a:endParaRPr lang="ko-KR" altLang="en-US"/>
-          </a:p>
-        </p:txBody>
-      </p:sp>
-      <p:grpSp>
-        <p:nvGrpSpPr>
-          <p:cNvPr id="4" name="그룹 3"/>
-          <p:cNvGrpSpPr/>
-          <p:nvPr/>
-        </p:nvGrpSpPr>
-        <p:grpSpPr>
-          <a:xfrm>
-            <a:off x="402218" y="156130"/>
-            <a:ext cx="1927199" cy="501362"/>
-            <a:chOff x="1072060" y="2458239"/>
-            <a:chExt cx="1927199" cy="501362"/>
-          </a:xfrm>
-        </p:grpSpPr>
-        <p:sp>
-          <p:nvSpPr>
-            <p:cNvPr id="18" name="제목 5"/>
-            <p:cNvSpPr txBox="1">
-              <a:spLocks/>
-            </p:cNvSpPr>
-            <p:nvPr/>
-          </p:nvSpPr>
-          <p:spPr>
-            <a:xfrm>
-              <a:off x="1199059" y="2458239"/>
-              <a:ext cx="1800200" cy="501362"/>
-            </a:xfrm>
-            <a:prstGeom prst="rect">
-              <a:avLst/>
-            </a:prstGeom>
-          </p:spPr>
-          <p:txBody>
-            <a:bodyPr vert="horz" lIns="107287" tIns="53643" rIns="107287" bIns="53643" rtlCol="0" anchor="ctr">
-              <a:noAutofit/>
-            </a:bodyPr>
-            <a:lstStyle>
-              <a:lvl1pPr algn="ctr" defTabSz="914400" rtl="0" eaLnBrk="1" latinLnBrk="1" hangingPunct="1">
-                <a:spcBef>
-                  <a:spcPct val="0"/>
-                </a:spcBef>
-                <a:buNone/>
-                <a:defRPr sz="4400" kern="1200" spc="-150">
-                  <a:solidFill>
-                    <a:schemeClr val="tx1"/>
-                  </a:solidFill>
-                  <a:latin typeface="Noto Sans Korean Bold" pitchFamily="34" charset="-127"/>
-                  <a:ea typeface="Noto Sans Korean Bold" pitchFamily="34" charset="-127"/>
-                  <a:cs typeface="+mj-cs"/>
-                </a:defRPr>
-              </a:lvl1pPr>
-            </a:lstStyle>
-            <a:p>
-              <a:pPr algn="l">
-                <a:lnSpc>
-                  <a:spcPct val="200000"/>
-                </a:lnSpc>
-                <a:spcBef>
-                  <a:spcPts val="500"/>
-                </a:spcBef>
-              </a:pPr>
-              <a:r>
-                <a:rPr lang="ko-KR" altLang="en-US" sz="1600" dirty="0">
-                  <a:gradFill flip="none" rotWithShape="1">
-                    <a:gsLst>
-                      <a:gs pos="0">
-                        <a:prstClr val="black">
-                          <a:lumMod val="75000"/>
-                          <a:lumOff val="25000"/>
-                          <a:shade val="30000"/>
-                          <a:satMod val="115000"/>
-                        </a:prstClr>
-                      </a:gs>
-                      <a:gs pos="50000">
-                        <a:prstClr val="black">
-                          <a:lumMod val="75000"/>
-                          <a:lumOff val="25000"/>
-                          <a:shade val="67500"/>
-                          <a:satMod val="115000"/>
-                        </a:prstClr>
-                      </a:gs>
-                      <a:gs pos="100000">
-                        <a:prstClr val="black">
-                          <a:lumMod val="75000"/>
-                          <a:lumOff val="25000"/>
-                          <a:shade val="100000"/>
-                          <a:satMod val="115000"/>
-                        </a:prstClr>
-                      </a:gs>
-                    </a:gsLst>
-                    <a:path path="circle">
-                      <a:fillToRect l="50000" t="50000" r="50000" b="50000"/>
-                    </a:path>
-                    <a:tileRect/>
-                  </a:gradFill>
-                  <a:latin typeface="나눔명조 ExtraBold" panose="02020603020101020101" pitchFamily="18" charset="-127"/>
-                  <a:ea typeface="나눔명조 ExtraBold" panose="02020603020101020101" pitchFamily="18" charset="-127"/>
-                  <a:cs typeface="+mn-cs"/>
-                </a:rPr>
-                <a:t>코드 소개</a:t>
-              </a:r>
-            </a:p>
-          </p:txBody>
-        </p:sp>
-        <p:sp>
-          <p:nvSpPr>
-            <p:cNvPr id="33" name="직사각형 32"/>
-            <p:cNvSpPr/>
-            <p:nvPr/>
-          </p:nvSpPr>
-          <p:spPr>
-            <a:xfrm rot="5400000">
-              <a:off x="998662" y="2702173"/>
-              <a:ext cx="260407" cy="113611"/>
-            </a:xfrm>
-            <a:prstGeom prst="rect">
-              <a:avLst/>
-            </a:prstGeom>
-            <a:solidFill>
-              <a:schemeClr val="bg2">
-                <a:lumMod val="75000"/>
-              </a:schemeClr>
-            </a:solidFill>
-            <a:ln>
-              <a:noFill/>
-            </a:ln>
-          </p:spPr>
-          <p:style>
-            <a:lnRef idx="2">
-              <a:schemeClr val="accent1">
-                <a:shade val="50000"/>
-              </a:schemeClr>
-            </a:lnRef>
-            <a:fillRef idx="1">
-              <a:schemeClr val="accent1"/>
-            </a:fillRef>
-            <a:effectRef idx="0">
-              <a:schemeClr val="accent1"/>
-            </a:effectRef>
-            <a:fontRef idx="minor">
-              <a:schemeClr val="lt1"/>
-            </a:fontRef>
-          </p:style>
-          <p:txBody>
-            <a:bodyPr rtlCol="0" anchor="ctr"/>
-            <a:lstStyle/>
-            <a:p>
-              <a:pPr algn="ctr"/>
-              <a:endParaRPr lang="ko-KR" altLang="en-US"/>
-            </a:p>
-          </p:txBody>
-        </p:sp>
-      </p:grpSp>
       <p:grpSp>
         <p:nvGrpSpPr>
           <p:cNvPr id="3" name="그룹 2"/>
@@ -14758,6 +14553,241 @@
           </p:sp>
         </p:grpSp>
       </p:grpSp>
+      <p:pic>
+        <p:nvPicPr>
+          <p:cNvPr id="2" name="그림 1">
+            <a:extLst>
+              <a:ext uri="{FF2B5EF4-FFF2-40B4-BE49-F238E27FC236}">
+                <a16:creationId xmlns:a16="http://schemas.microsoft.com/office/drawing/2014/main" id="{DEF38D83-03AB-43EC-A059-554C65B71376}"/>
+              </a:ext>
+            </a:extLst>
+          </p:cNvPr>
+          <p:cNvPicPr>
+            <a:picLocks noChangeAspect="1"/>
+          </p:cNvPicPr>
+          <p:nvPr/>
+        </p:nvPicPr>
+        <p:blipFill>
+          <a:blip r:embed="rId4"/>
+          <a:stretch>
+            <a:fillRect/>
+          </a:stretch>
+        </p:blipFill>
+        <p:spPr>
+          <a:xfrm>
+            <a:off x="340870" y="785027"/>
+            <a:ext cx="5364989" cy="3220037"/>
+          </a:xfrm>
+          <a:prstGeom prst="rect">
+            <a:avLst/>
+          </a:prstGeom>
+        </p:spPr>
+      </p:pic>
+      <p:sp>
+        <p:nvSpPr>
+          <p:cNvPr id="10" name="직사각형 9"/>
+          <p:cNvSpPr/>
+          <p:nvPr/>
+        </p:nvSpPr>
+        <p:spPr>
+          <a:xfrm>
+            <a:off x="0" y="0"/>
+            <a:ext cx="128464" cy="6858000"/>
+          </a:xfrm>
+          <a:prstGeom prst="rect">
+            <a:avLst/>
+          </a:prstGeom>
+          <a:solidFill>
+            <a:schemeClr val="bg1"/>
+          </a:solidFill>
+          <a:ln>
+            <a:noFill/>
+          </a:ln>
+          <a:effectLst>
+            <a:innerShdw blurRad="63500" dist="50800">
+              <a:prstClr val="black">
+                <a:alpha val="13000"/>
+              </a:prstClr>
+            </a:innerShdw>
+          </a:effectLst>
+        </p:spPr>
+        <p:style>
+          <a:lnRef idx="2">
+            <a:schemeClr val="accent1">
+              <a:shade val="50000"/>
+            </a:schemeClr>
+          </a:lnRef>
+          <a:fillRef idx="1">
+            <a:schemeClr val="accent1"/>
+          </a:fillRef>
+          <a:effectRef idx="0">
+            <a:schemeClr val="accent1"/>
+          </a:effectRef>
+          <a:fontRef idx="minor">
+            <a:schemeClr val="lt1"/>
+          </a:fontRef>
+        </p:style>
+        <p:txBody>
+          <a:bodyPr rtlCol="0" anchor="ctr"/>
+          <a:lstStyle/>
+          <a:p>
+            <a:pPr algn="ctr"/>
+            <a:endParaRPr lang="ko-KR" altLang="en-US"/>
+          </a:p>
+        </p:txBody>
+      </p:sp>
+      <p:grpSp>
+        <p:nvGrpSpPr>
+          <p:cNvPr id="4" name="그룹 3"/>
+          <p:cNvGrpSpPr/>
+          <p:nvPr/>
+        </p:nvGrpSpPr>
+        <p:grpSpPr>
+          <a:xfrm>
+            <a:off x="402218" y="156130"/>
+            <a:ext cx="1927199" cy="501362"/>
+            <a:chOff x="1072060" y="2458239"/>
+            <a:chExt cx="1927199" cy="501362"/>
+          </a:xfrm>
+        </p:grpSpPr>
+        <p:sp>
+          <p:nvSpPr>
+            <p:cNvPr id="18" name="제목 5"/>
+            <p:cNvSpPr txBox="1">
+              <a:spLocks/>
+            </p:cNvSpPr>
+            <p:nvPr/>
+          </p:nvSpPr>
+          <p:spPr>
+            <a:xfrm>
+              <a:off x="1199059" y="2458239"/>
+              <a:ext cx="1800200" cy="501362"/>
+            </a:xfrm>
+            <a:prstGeom prst="rect">
+              <a:avLst/>
+            </a:prstGeom>
+          </p:spPr>
+          <p:txBody>
+            <a:bodyPr vert="horz" lIns="107287" tIns="53643" rIns="107287" bIns="53643" rtlCol="0" anchor="ctr">
+              <a:noAutofit/>
+            </a:bodyPr>
+            <a:lstStyle>
+              <a:lvl1pPr algn="ctr" defTabSz="914400" rtl="0" eaLnBrk="1" latinLnBrk="1" hangingPunct="1">
+                <a:spcBef>
+                  <a:spcPct val="0"/>
+                </a:spcBef>
+                <a:buNone/>
+                <a:defRPr sz="4400" kern="1200" spc="-150">
+                  <a:solidFill>
+                    <a:schemeClr val="tx1"/>
+                  </a:solidFill>
+                  <a:latin typeface="Noto Sans Korean Bold" pitchFamily="34" charset="-127"/>
+                  <a:ea typeface="Noto Sans Korean Bold" pitchFamily="34" charset="-127"/>
+                  <a:cs typeface="+mj-cs"/>
+                </a:defRPr>
+              </a:lvl1pPr>
+            </a:lstStyle>
+            <a:p>
+              <a:pPr algn="l">
+                <a:lnSpc>
+                  <a:spcPct val="200000"/>
+                </a:lnSpc>
+                <a:spcBef>
+                  <a:spcPts val="500"/>
+                </a:spcBef>
+              </a:pPr>
+              <a:r>
+                <a:rPr lang="ko-KR" altLang="en-US" sz="1600" dirty="0">
+                  <a:gradFill flip="none" rotWithShape="1">
+                    <a:gsLst>
+                      <a:gs pos="0">
+                        <a:prstClr val="black">
+                          <a:lumMod val="75000"/>
+                          <a:lumOff val="25000"/>
+                          <a:shade val="30000"/>
+                          <a:satMod val="115000"/>
+                        </a:prstClr>
+                      </a:gs>
+                      <a:gs pos="50000">
+                        <a:prstClr val="black">
+                          <a:lumMod val="75000"/>
+                          <a:lumOff val="25000"/>
+                          <a:shade val="67500"/>
+                          <a:satMod val="115000"/>
+                        </a:prstClr>
+                      </a:gs>
+                      <a:gs pos="100000">
+                        <a:prstClr val="black">
+                          <a:lumMod val="75000"/>
+                          <a:lumOff val="25000"/>
+                          <a:shade val="100000"/>
+                          <a:satMod val="115000"/>
+                        </a:prstClr>
+                      </a:gs>
+                    </a:gsLst>
+                    <a:path path="circle">
+                      <a:fillToRect l="50000" t="50000" r="50000" b="50000"/>
+                    </a:path>
+                    <a:tileRect/>
+                  </a:gradFill>
+                  <a:latin typeface="나눔명조 ExtraBold" panose="02020603020101020101" pitchFamily="18" charset="-127"/>
+                  <a:ea typeface="나눔명조 ExtraBold" panose="02020603020101020101" pitchFamily="18" charset="-127"/>
+                  <a:cs typeface="+mn-cs"/>
+                </a:rPr>
+                <a:t>코드 소개</a:t>
+              </a:r>
+            </a:p>
+          </p:txBody>
+        </p:sp>
+        <p:sp>
+          <p:nvSpPr>
+            <p:cNvPr id="33" name="직사각형 32"/>
+            <p:cNvSpPr/>
+            <p:nvPr/>
+          </p:nvSpPr>
+          <p:spPr>
+            <a:xfrm rot="5400000">
+              <a:off x="998662" y="2702173"/>
+              <a:ext cx="260407" cy="113611"/>
+            </a:xfrm>
+            <a:prstGeom prst="rect">
+              <a:avLst/>
+            </a:prstGeom>
+            <a:solidFill>
+              <a:schemeClr val="bg2">
+                <a:lumMod val="75000"/>
+              </a:schemeClr>
+            </a:solidFill>
+            <a:ln>
+              <a:noFill/>
+            </a:ln>
+          </p:spPr>
+          <p:style>
+            <a:lnRef idx="2">
+              <a:schemeClr val="accent1">
+                <a:shade val="50000"/>
+              </a:schemeClr>
+            </a:lnRef>
+            <a:fillRef idx="1">
+              <a:schemeClr val="accent1"/>
+            </a:fillRef>
+            <a:effectRef idx="0">
+              <a:schemeClr val="accent1"/>
+            </a:effectRef>
+            <a:fontRef idx="minor">
+              <a:schemeClr val="lt1"/>
+            </a:fontRef>
+          </p:style>
+          <p:txBody>
+            <a:bodyPr rtlCol="0" anchor="ctr"/>
+            <a:lstStyle/>
+            <a:p>
+              <a:pPr algn="ctr"/>
+              <a:endParaRPr lang="ko-KR" altLang="en-US"/>
+            </a:p>
+          </p:txBody>
+        </p:sp>
+      </p:grpSp>
       <p:sp>
         <p:nvSpPr>
           <p:cNvPr id="30" name="제목 5">
@@ -14866,36 +14896,6 @@
       </p:sp>
       <p:pic>
         <p:nvPicPr>
-          <p:cNvPr id="5" name="그림 4">
-            <a:extLst>
-              <a:ext uri="{FF2B5EF4-FFF2-40B4-BE49-F238E27FC236}">
-                <a16:creationId xmlns:a16="http://schemas.microsoft.com/office/drawing/2014/main" id="{248EE888-4405-45A4-842F-75C41EFB6B49}"/>
-              </a:ext>
-            </a:extLst>
-          </p:cNvPr>
-          <p:cNvPicPr>
-            <a:picLocks noChangeAspect="1"/>
-          </p:cNvPicPr>
-          <p:nvPr/>
-        </p:nvPicPr>
-        <p:blipFill>
-          <a:blip r:embed="rId4"/>
-          <a:stretch>
-            <a:fillRect/>
-          </a:stretch>
-        </p:blipFill>
-        <p:spPr>
-          <a:xfrm>
-            <a:off x="328840" y="948033"/>
-            <a:ext cx="4962148" cy="3168352"/>
-          </a:xfrm>
-          <a:prstGeom prst="rect">
-            <a:avLst/>
-          </a:prstGeom>
-        </p:spPr>
-      </p:pic>
-      <p:pic>
-        <p:nvPicPr>
           <p:cNvPr id="8" name="그림 7" descr="텍스트이(가) 표시된 사진&#10;&#10;자동 생성된 설명">
             <a:extLst>
               <a:ext uri="{FF2B5EF4-FFF2-40B4-BE49-F238E27FC236}">
@@ -14915,7 +14915,7 @@
         </p:blipFill>
         <p:spPr>
           <a:xfrm>
-            <a:off x="344488" y="4336507"/>
+            <a:off x="560156" y="4127138"/>
             <a:ext cx="5146877" cy="1688483"/>
           </a:xfrm>
           <a:prstGeom prst="rect">
@@ -14944,7 +14944,7 @@
         </p:blipFill>
         <p:spPr>
           <a:xfrm>
-            <a:off x="5773245" y="948033"/>
+            <a:off x="5773244" y="1097560"/>
             <a:ext cx="2963554" cy="2617569"/>
           </a:xfrm>
           <a:prstGeom prst="rect">
@@ -14974,7 +14974,7 @@
         </p:blipFill>
         <p:spPr>
           <a:xfrm>
-            <a:off x="5773244" y="3866472"/>
+            <a:off x="5773244" y="3860989"/>
             <a:ext cx="3768003" cy="2158517"/>
           </a:xfrm>
           <a:prstGeom prst="rect">
@@ -14996,7 +14996,7 @@
         </p:nvGrpSpPr>
         <p:grpSpPr>
           <a:xfrm>
-            <a:off x="163110" y="837661"/>
+            <a:off x="245902" y="161122"/>
             <a:ext cx="9579780" cy="5911851"/>
             <a:chOff x="163110" y="837661"/>
             <a:chExt cx="9579780" cy="5911851"/>

--- a/Syllabus/솔찬 프로젝트.pptx
+++ b/Syllabus/솔찬 프로젝트.pptx
@@ -1,6 +1,6 @@
 
 <file path=ppt/presentation.xml><?xml version="1.0" encoding="utf-8"?>
-<p:presentation xmlns:a="http://schemas.openxmlformats.org/drawingml/2006/main" xmlns:r="http://schemas.openxmlformats.org/officeDocument/2006/relationships" xmlns:p="http://schemas.openxmlformats.org/presentationml/2006/main" saveSubsetFonts="1" autoCompressPictures="0">
+<p:presentation xmlns:a="http://schemas.openxmlformats.org/drawingml/2006/main" xmlns:r="http://schemas.openxmlformats.org/officeDocument/2006/relationships" xmlns:p="http://schemas.openxmlformats.org/presentationml/2006/main" embedTrueTypeFonts="1" saveSubsetFonts="1" autoCompressPictures="0">
   <p:sldMasterIdLst>
     <p:sldMasterId id="2147483648" r:id="rId1"/>
   </p:sldMasterIdLst>
@@ -16,6 +16,22 @@
   </p:sldIdLst>
   <p:sldSz cx="9906000" cy="6858000" type="A4"/>
   <p:notesSz cx="6858000" cy="9144000"/>
+  <p:embeddedFontLst>
+    <p:embeddedFont>
+      <p:font typeface="나눔명조" panose="02020603020101020101" pitchFamily="18" charset="-127"/>
+      <p:regular r:id="rId8"/>
+      <p:bold r:id="rId9"/>
+    </p:embeddedFont>
+    <p:embeddedFont>
+      <p:font typeface="나눔명조 ExtraBold" panose="02020603020101020101" pitchFamily="18" charset="-127"/>
+      <p:bold r:id="rId10"/>
+    </p:embeddedFont>
+    <p:embeddedFont>
+      <p:font typeface="맑은 고딕" panose="020B0503020000020004" pitchFamily="50" charset="-127"/>
+      <p:regular r:id="rId11"/>
+      <p:bold r:id="rId12"/>
+    </p:embeddedFont>
+  </p:embeddedFontLst>
   <p:defaultTextStyle>
     <a:defPPr>
       <a:defRPr lang="ko-KR"/>
